--- a/_static/cemi-lecture-welcome.pptx
+++ b/_static/cemi-lecture-welcome.pptx
@@ -5,7 +5,7 @@
     <p:sldMasterId id="2147483648" r:id="rId1"/>
   </p:sldMasterIdLst>
   <p:notesMasterIdLst>
-    <p:notesMasterId r:id="rId30"/>
+    <p:notesMasterId r:id="rId37"/>
   </p:notesMasterIdLst>
   <p:sldIdLst>
     <p:sldId id="256" r:id="rId2"/>
@@ -34,8 +34,15 @@
     <p:sldId id="284" r:id="rId25"/>
     <p:sldId id="285" r:id="rId26"/>
     <p:sldId id="286" r:id="rId27"/>
-    <p:sldId id="287" r:id="rId28"/>
-    <p:sldId id="283" r:id="rId29"/>
+    <p:sldId id="299" r:id="rId28"/>
+    <p:sldId id="294" r:id="rId29"/>
+    <p:sldId id="295" r:id="rId30"/>
+    <p:sldId id="296" r:id="rId31"/>
+    <p:sldId id="297" r:id="rId32"/>
+    <p:sldId id="300" r:id="rId33"/>
+    <p:sldId id="301" r:id="rId34"/>
+    <p:sldId id="298" r:id="rId35"/>
+    <p:sldId id="283" r:id="rId36"/>
   </p:sldIdLst>
   <p:sldSz cx="9144000" cy="6858000" type="screen4x3"/>
   <p:notesSz cx="6858000" cy="9144000"/>
@@ -5758,7 +5765,7 @@
     </p:spTree>
     <p:extLst>
       <p:ext uri="{BB962C8B-B14F-4D97-AF65-F5344CB8AC3E}">
-        <p14:creationId xmlns:p14="http://schemas.microsoft.com/office/powerpoint/2010/main" val="2951917003"/>
+        <p14:creationId xmlns:p14="http://schemas.microsoft.com/office/powerpoint/2010/main" val="1622959731"/>
       </p:ext>
     </p:extLst>
   </p:cSld>
@@ -5797,12 +5804,14 @@
         </p:nvSpPr>
         <p:spPr/>
         <p:txBody>
-          <a:bodyPr/>
-          <a:lstStyle/>
-          <a:p>
-            <a:r>
-              <a:rPr lang="en-US" dirty="0" smtClean="0"/>
-              <a:t>Any questions or comments?</a:t>
+          <a:bodyPr>
+            <a:normAutofit fontScale="90000"/>
+          </a:bodyPr>
+          <a:lstStyle/>
+          <a:p>
+            <a:r>
+              <a:rPr lang="en-US" dirty="0" smtClean="0"/>
+              <a:t>Software installation, and cooking analogy.</a:t>
             </a:r>
             <a:endParaRPr lang="en-US" dirty="0"/>
           </a:p>
@@ -5823,14 +5832,96 @@
           <a:bodyPr/>
           <a:lstStyle/>
           <a:p>
-            <a:endParaRPr lang="en-US"/>
+            <a:r>
+              <a:rPr lang="en-US" dirty="0" smtClean="0"/>
+              <a:t>Why are we making you install so much stuff!?</a:t>
+            </a:r>
+          </a:p>
+          <a:p>
+            <a:r>
+              <a:rPr lang="en-US" dirty="0" smtClean="0"/>
+              <a:t>What’s all this typing?</a:t>
+            </a:r>
+            <a:endParaRPr lang="en-US" dirty="0"/>
           </a:p>
         </p:txBody>
       </p:sp>
     </p:spTree>
     <p:extLst>
       <p:ext uri="{BB962C8B-B14F-4D97-AF65-F5344CB8AC3E}">
-        <p14:creationId xmlns:p14="http://schemas.microsoft.com/office/powerpoint/2010/main" val="2577423646"/>
+        <p14:creationId xmlns:p14="http://schemas.microsoft.com/office/powerpoint/2010/main" val="3242687467"/>
+      </p:ext>
+    </p:extLst>
+  </p:cSld>
+  <p:clrMapOvr>
+    <a:masterClrMapping/>
+  </p:clrMapOvr>
+</p:sld>
+</file>
+
+<file path=ppt/slides/slide29.xml><?xml version="1.0" encoding="utf-8"?>
+<p:sld xmlns:a="http://schemas.openxmlformats.org/drawingml/2006/main" xmlns:r="http://schemas.openxmlformats.org/officeDocument/2006/relationships" xmlns:p="http://schemas.openxmlformats.org/presentationml/2006/main">
+  <p:cSld>
+    <p:spTree>
+      <p:nvGrpSpPr>
+        <p:cNvPr id="1" name=""/>
+        <p:cNvGrpSpPr/>
+        <p:nvPr/>
+      </p:nvGrpSpPr>
+      <p:grpSpPr>
+        <a:xfrm>
+          <a:off x="0" y="0"/>
+          <a:ext cx="0" cy="0"/>
+          <a:chOff x="0" y="0"/>
+          <a:chExt cx="0" cy="0"/>
+        </a:xfrm>
+      </p:grpSpPr>
+      <p:sp>
+        <p:nvSpPr>
+          <p:cNvPr id="2" name="Title 1"/>
+          <p:cNvSpPr>
+            <a:spLocks noGrp="1"/>
+          </p:cNvSpPr>
+          <p:nvPr>
+            <p:ph type="title"/>
+          </p:nvPr>
+        </p:nvSpPr>
+        <p:spPr/>
+        <p:txBody>
+          <a:bodyPr/>
+          <a:lstStyle/>
+          <a:p>
+            <a:r>
+              <a:rPr lang="en-US" dirty="0" smtClean="0"/>
+              <a:t>QIIME tutorials: introductory</a:t>
+            </a:r>
+            <a:endParaRPr lang="en-US" dirty="0"/>
+          </a:p>
+        </p:txBody>
+      </p:sp>
+      <p:pic>
+        <p:nvPicPr>
+          <p:cNvPr id="4" name="Content Placeholder 3"/>
+          <p:cNvPicPr>
+            <a:picLocks noGrp="1" noChangeAspect="1"/>
+          </p:cNvPicPr>
+          <p:nvPr>
+            <p:ph idx="1"/>
+          </p:nvPr>
+        </p:nvPicPr>
+        <p:blipFill>
+          <a:blip r:embed="rId2"/>
+          <a:srcRect l="-86373" r="-86373"/>
+          <a:stretch>
+            <a:fillRect/>
+          </a:stretch>
+        </p:blipFill>
+        <p:spPr/>
+      </p:pic>
+    </p:spTree>
+    <p:extLst>
+      <p:ext uri="{BB962C8B-B14F-4D97-AF65-F5344CB8AC3E}">
+        <p14:creationId xmlns:p14="http://schemas.microsoft.com/office/powerpoint/2010/main" val="4053240001"/>
       </p:ext>
     </p:extLst>
   </p:cSld>
@@ -5944,6 +6035,508 @@
     <p:extLst>
       <p:ext uri="{BB962C8B-B14F-4D97-AF65-F5344CB8AC3E}">
         <p14:creationId xmlns:p14="http://schemas.microsoft.com/office/powerpoint/2010/main" val="2044277072"/>
+      </p:ext>
+    </p:extLst>
+  </p:cSld>
+  <p:clrMapOvr>
+    <a:masterClrMapping/>
+  </p:clrMapOvr>
+</p:sld>
+</file>
+
+<file path=ppt/slides/slide30.xml><?xml version="1.0" encoding="utf-8"?>
+<p:sld xmlns:a="http://schemas.openxmlformats.org/drawingml/2006/main" xmlns:r="http://schemas.openxmlformats.org/officeDocument/2006/relationships" xmlns:p="http://schemas.openxmlformats.org/presentationml/2006/main">
+  <p:cSld>
+    <p:spTree>
+      <p:nvGrpSpPr>
+        <p:cNvPr id="1" name=""/>
+        <p:cNvGrpSpPr/>
+        <p:nvPr/>
+      </p:nvGrpSpPr>
+      <p:grpSpPr>
+        <a:xfrm>
+          <a:off x="0" y="0"/>
+          <a:ext cx="0" cy="0"/>
+          <a:chOff x="0" y="0"/>
+          <a:chExt cx="0" cy="0"/>
+        </a:xfrm>
+      </p:grpSpPr>
+      <p:sp>
+        <p:nvSpPr>
+          <p:cNvPr id="2" name="Title 1"/>
+          <p:cNvSpPr>
+            <a:spLocks noGrp="1"/>
+          </p:cNvSpPr>
+          <p:nvPr>
+            <p:ph type="title"/>
+          </p:nvPr>
+        </p:nvSpPr>
+        <p:spPr/>
+        <p:txBody>
+          <a:bodyPr/>
+          <a:lstStyle/>
+          <a:p>
+            <a:r>
+              <a:rPr lang="en-US" dirty="0" smtClean="0"/>
+              <a:t>BLAST, mapping, assembly tutorials</a:t>
+            </a:r>
+            <a:endParaRPr lang="en-US" dirty="0"/>
+          </a:p>
+        </p:txBody>
+      </p:sp>
+      <p:pic>
+        <p:nvPicPr>
+          <p:cNvPr id="4" name="Content Placeholder 3"/>
+          <p:cNvPicPr>
+            <a:picLocks noGrp="1" noChangeAspect="1"/>
+          </p:cNvPicPr>
+          <p:nvPr>
+            <p:ph idx="1"/>
+          </p:nvPr>
+        </p:nvPicPr>
+        <p:blipFill>
+          <a:blip r:embed="rId2"/>
+          <a:srcRect l="-10459" r="-10459"/>
+          <a:stretch>
+            <a:fillRect/>
+          </a:stretch>
+        </p:blipFill>
+        <p:spPr/>
+      </p:pic>
+    </p:spTree>
+    <p:extLst>
+      <p:ext uri="{BB962C8B-B14F-4D97-AF65-F5344CB8AC3E}">
+        <p14:creationId xmlns:p14="http://schemas.microsoft.com/office/powerpoint/2010/main" val="3000474846"/>
+      </p:ext>
+    </p:extLst>
+  </p:cSld>
+  <p:clrMapOvr>
+    <a:masterClrMapping/>
+  </p:clrMapOvr>
+</p:sld>
+</file>
+
+<file path=ppt/slides/slide31.xml><?xml version="1.0" encoding="utf-8"?>
+<p:sld xmlns:a="http://schemas.openxmlformats.org/drawingml/2006/main" xmlns:r="http://schemas.openxmlformats.org/officeDocument/2006/relationships" xmlns:p="http://schemas.openxmlformats.org/presentationml/2006/main">
+  <p:cSld>
+    <p:spTree>
+      <p:nvGrpSpPr>
+        <p:cNvPr id="1" name=""/>
+        <p:cNvGrpSpPr/>
+        <p:nvPr/>
+      </p:nvGrpSpPr>
+      <p:grpSpPr>
+        <a:xfrm>
+          <a:off x="0" y="0"/>
+          <a:ext cx="0" cy="0"/>
+          <a:chOff x="0" y="0"/>
+          <a:chExt cx="0" cy="0"/>
+        </a:xfrm>
+      </p:grpSpPr>
+      <p:sp>
+        <p:nvSpPr>
+          <p:cNvPr id="2" name="Title 1"/>
+          <p:cNvSpPr>
+            <a:spLocks noGrp="1"/>
+          </p:cNvSpPr>
+          <p:nvPr>
+            <p:ph type="title"/>
+          </p:nvPr>
+        </p:nvSpPr>
+        <p:spPr/>
+        <p:txBody>
+          <a:bodyPr/>
+          <a:lstStyle/>
+          <a:p>
+            <a:r>
+              <a:rPr lang="en-US" dirty="0" smtClean="0"/>
+              <a:t>…by Friday:</a:t>
+            </a:r>
+            <a:endParaRPr lang="en-US" dirty="0"/>
+          </a:p>
+        </p:txBody>
+      </p:sp>
+      <p:pic>
+        <p:nvPicPr>
+          <p:cNvPr id="4" name="Content Placeholder 3"/>
+          <p:cNvPicPr>
+            <a:picLocks noGrp="1" noChangeAspect="1"/>
+          </p:cNvPicPr>
+          <p:nvPr>
+            <p:ph idx="1"/>
+          </p:nvPr>
+        </p:nvPicPr>
+        <p:blipFill>
+          <a:blip r:embed="rId2"/>
+          <a:srcRect l="-40915" r="-40915"/>
+          <a:stretch>
+            <a:fillRect/>
+          </a:stretch>
+        </p:blipFill>
+        <p:spPr/>
+      </p:pic>
+    </p:spTree>
+    <p:extLst>
+      <p:ext uri="{BB962C8B-B14F-4D97-AF65-F5344CB8AC3E}">
+        <p14:creationId xmlns:p14="http://schemas.microsoft.com/office/powerpoint/2010/main" val="3092325862"/>
+      </p:ext>
+    </p:extLst>
+  </p:cSld>
+  <p:clrMapOvr>
+    <a:masterClrMapping/>
+  </p:clrMapOvr>
+</p:sld>
+</file>
+
+<file path=ppt/slides/slide32.xml><?xml version="1.0" encoding="utf-8"?>
+<p:sld xmlns:a="http://schemas.openxmlformats.org/drawingml/2006/main" xmlns:r="http://schemas.openxmlformats.org/officeDocument/2006/relationships" xmlns:p="http://schemas.openxmlformats.org/presentationml/2006/main">
+  <p:cSld>
+    <p:spTree>
+      <p:nvGrpSpPr>
+        <p:cNvPr id="1" name=""/>
+        <p:cNvGrpSpPr/>
+        <p:nvPr/>
+      </p:nvGrpSpPr>
+      <p:grpSpPr>
+        <a:xfrm>
+          <a:off x="0" y="0"/>
+          <a:ext cx="0" cy="0"/>
+          <a:chOff x="0" y="0"/>
+          <a:chExt cx="0" cy="0"/>
+        </a:xfrm>
+      </p:grpSpPr>
+      <p:sp>
+        <p:nvSpPr>
+          <p:cNvPr id="2" name="Title 1"/>
+          <p:cNvSpPr>
+            <a:spLocks noGrp="1"/>
+          </p:cNvSpPr>
+          <p:nvPr>
+            <p:ph type="title"/>
+          </p:nvPr>
+        </p:nvSpPr>
+        <p:spPr/>
+        <p:txBody>
+          <a:bodyPr/>
+          <a:lstStyle/>
+          <a:p>
+            <a:r>
+              <a:rPr lang="en-US" dirty="0" smtClean="0"/>
+              <a:t>Commercial interfaces: </a:t>
+            </a:r>
+            <a:r>
+              <a:rPr lang="en-US" dirty="0" err="1" smtClean="0"/>
+              <a:t>McD</a:t>
+            </a:r>
+            <a:r>
+              <a:rPr lang="en-US" dirty="0" smtClean="0"/>
+              <a:t>? Or…</a:t>
+            </a:r>
+            <a:endParaRPr lang="en-US" dirty="0"/>
+          </a:p>
+        </p:txBody>
+      </p:sp>
+      <p:pic>
+        <p:nvPicPr>
+          <p:cNvPr id="4" name="Content Placeholder 3"/>
+          <p:cNvPicPr>
+            <a:picLocks noGrp="1" noChangeAspect="1"/>
+          </p:cNvPicPr>
+          <p:nvPr>
+            <p:ph idx="1"/>
+          </p:nvPr>
+        </p:nvPicPr>
+        <p:blipFill>
+          <a:blip r:embed="rId2"/>
+          <a:srcRect l="-3553" r="-3553"/>
+          <a:stretch>
+            <a:fillRect/>
+          </a:stretch>
+        </p:blipFill>
+        <p:spPr/>
+      </p:pic>
+    </p:spTree>
+    <p:extLst>
+      <p:ext uri="{BB962C8B-B14F-4D97-AF65-F5344CB8AC3E}">
+        <p14:creationId xmlns:p14="http://schemas.microsoft.com/office/powerpoint/2010/main" val="2778646583"/>
+      </p:ext>
+    </p:extLst>
+  </p:cSld>
+  <p:clrMapOvr>
+    <a:masterClrMapping/>
+  </p:clrMapOvr>
+</p:sld>
+</file>
+
+<file path=ppt/slides/slide33.xml><?xml version="1.0" encoding="utf-8"?>
+<p:sld xmlns:a="http://schemas.openxmlformats.org/drawingml/2006/main" xmlns:r="http://schemas.openxmlformats.org/officeDocument/2006/relationships" xmlns:p="http://schemas.openxmlformats.org/presentationml/2006/main">
+  <p:cSld>
+    <p:spTree>
+      <p:nvGrpSpPr>
+        <p:cNvPr id="1" name=""/>
+        <p:cNvGrpSpPr/>
+        <p:nvPr/>
+      </p:nvGrpSpPr>
+      <p:grpSpPr>
+        <a:xfrm>
+          <a:off x="0" y="0"/>
+          <a:ext cx="0" cy="0"/>
+          <a:chOff x="0" y="0"/>
+          <a:chExt cx="0" cy="0"/>
+        </a:xfrm>
+      </p:grpSpPr>
+      <p:sp>
+        <p:nvSpPr>
+          <p:cNvPr id="2" name="Title 1"/>
+          <p:cNvSpPr>
+            <a:spLocks noGrp="1"/>
+          </p:cNvSpPr>
+          <p:nvPr>
+            <p:ph type="title"/>
+          </p:nvPr>
+        </p:nvSpPr>
+        <p:spPr/>
+        <p:txBody>
+          <a:bodyPr/>
+          <a:lstStyle/>
+          <a:p>
+            <a:r>
+              <a:rPr lang="en-US" dirty="0" smtClean="0"/>
+              <a:t>…Michelin star?</a:t>
+            </a:r>
+            <a:endParaRPr lang="en-US" dirty="0"/>
+          </a:p>
+        </p:txBody>
+      </p:sp>
+      <p:pic>
+        <p:nvPicPr>
+          <p:cNvPr id="4" name="Content Placeholder 3"/>
+          <p:cNvPicPr>
+            <a:picLocks noGrp="1" noChangeAspect="1"/>
+          </p:cNvPicPr>
+          <p:nvPr>
+            <p:ph idx="1"/>
+          </p:nvPr>
+        </p:nvPicPr>
+        <p:blipFill>
+          <a:blip r:embed="rId2"/>
+          <a:srcRect l="-10610" r="-10610"/>
+          <a:stretch>
+            <a:fillRect/>
+          </a:stretch>
+        </p:blipFill>
+        <p:spPr/>
+      </p:pic>
+      <p:sp>
+        <p:nvSpPr>
+          <p:cNvPr id="5" name="TextBox 4"/>
+          <p:cNvSpPr txBox="1"/>
+          <p:nvPr/>
+        </p:nvSpPr>
+        <p:spPr>
+          <a:xfrm>
+            <a:off x="2978049" y="6379874"/>
+            <a:ext cx="3623145" cy="369332"/>
+          </a:xfrm>
+          <a:prstGeom prst="rect">
+            <a:avLst/>
+          </a:prstGeom>
+          <a:noFill/>
+        </p:spPr>
+        <p:txBody>
+          <a:bodyPr wrap="none" rtlCol="0">
+            <a:spAutoFit/>
+          </a:bodyPr>
+          <a:lstStyle/>
+          <a:p>
+            <a:r>
+              <a:rPr lang="en-US" dirty="0" smtClean="0"/>
+              <a:t>(It can be unfortunately hard to tell.)</a:t>
+            </a:r>
+            <a:endParaRPr lang="en-US" dirty="0"/>
+          </a:p>
+        </p:txBody>
+      </p:sp>
+    </p:spTree>
+    <p:extLst>
+      <p:ext uri="{BB962C8B-B14F-4D97-AF65-F5344CB8AC3E}">
+        <p14:creationId xmlns:p14="http://schemas.microsoft.com/office/powerpoint/2010/main" val="1094944726"/>
+      </p:ext>
+    </p:extLst>
+  </p:cSld>
+  <p:clrMapOvr>
+    <a:masterClrMapping/>
+  </p:clrMapOvr>
+</p:sld>
+</file>
+
+<file path=ppt/slides/slide34.xml><?xml version="1.0" encoding="utf-8"?>
+<p:sld xmlns:a="http://schemas.openxmlformats.org/drawingml/2006/main" xmlns:r="http://schemas.openxmlformats.org/officeDocument/2006/relationships" xmlns:p="http://schemas.openxmlformats.org/presentationml/2006/main">
+  <p:cSld>
+    <p:spTree>
+      <p:nvGrpSpPr>
+        <p:cNvPr id="1" name=""/>
+        <p:cNvGrpSpPr/>
+        <p:nvPr/>
+      </p:nvGrpSpPr>
+      <p:grpSpPr>
+        <a:xfrm>
+          <a:off x="0" y="0"/>
+          <a:ext cx="0" cy="0"/>
+          <a:chOff x="0" y="0"/>
+          <a:chExt cx="0" cy="0"/>
+        </a:xfrm>
+      </p:grpSpPr>
+      <p:sp>
+        <p:nvSpPr>
+          <p:cNvPr id="2" name="Title 1"/>
+          <p:cNvSpPr>
+            <a:spLocks noGrp="1"/>
+          </p:cNvSpPr>
+          <p:nvPr>
+            <p:ph type="title"/>
+          </p:nvPr>
+        </p:nvSpPr>
+        <p:spPr/>
+        <p:txBody>
+          <a:bodyPr/>
+          <a:lstStyle/>
+          <a:p>
+            <a:r>
+              <a:rPr lang="en-US" dirty="0" smtClean="0"/>
+              <a:t>In this analogy,</a:t>
+            </a:r>
+            <a:endParaRPr lang="en-US" dirty="0"/>
+          </a:p>
+        </p:txBody>
+      </p:sp>
+      <p:sp>
+        <p:nvSpPr>
+          <p:cNvPr id="3" name="Content Placeholder 2"/>
+          <p:cNvSpPr>
+            <a:spLocks noGrp="1"/>
+          </p:cNvSpPr>
+          <p:nvPr>
+            <p:ph idx="1"/>
+          </p:nvPr>
+        </p:nvSpPr>
+        <p:spPr/>
+        <p:txBody>
+          <a:bodyPr>
+            <a:normAutofit fontScale="92500"/>
+          </a:bodyPr>
+          <a:lstStyle/>
+          <a:p>
+            <a:r>
+              <a:rPr lang="en-US" dirty="0" smtClean="0"/>
+              <a:t>Bench biologists need to know how to use cookbooks &amp; understand common assumptions.</a:t>
+            </a:r>
+          </a:p>
+          <a:p>
+            <a:r>
+              <a:rPr lang="en-US" dirty="0" smtClean="0"/>
+              <a:t>When doing novel genomics, there is value in knowing how to put together your own recipes.</a:t>
+            </a:r>
+          </a:p>
+          <a:p>
+            <a:r>
+              <a:rPr lang="en-US" dirty="0" smtClean="0"/>
+              <a:t>Computational biologists and </a:t>
+            </a:r>
+            <a:r>
+              <a:rPr lang="en-US" dirty="0" err="1" smtClean="0"/>
+              <a:t>bioinformaticians</a:t>
+            </a:r>
+            <a:r>
+              <a:rPr lang="en-US" dirty="0" smtClean="0"/>
+              <a:t> may go so far as to grow some of their own raw ingredients.</a:t>
+            </a:r>
+          </a:p>
+          <a:p>
+            <a:r>
+              <a:rPr lang="en-US" dirty="0" smtClean="0"/>
+              <a:t>Controls, controls, controls, controls…</a:t>
+            </a:r>
+            <a:endParaRPr lang="en-US" dirty="0"/>
+          </a:p>
+        </p:txBody>
+      </p:sp>
+    </p:spTree>
+    <p:extLst>
+      <p:ext uri="{BB962C8B-B14F-4D97-AF65-F5344CB8AC3E}">
+        <p14:creationId xmlns:p14="http://schemas.microsoft.com/office/powerpoint/2010/main" val="1987559530"/>
+      </p:ext>
+    </p:extLst>
+  </p:cSld>
+  <p:clrMapOvr>
+    <a:masterClrMapping/>
+  </p:clrMapOvr>
+</p:sld>
+</file>
+
+<file path=ppt/slides/slide35.xml><?xml version="1.0" encoding="utf-8"?>
+<p:sld xmlns:a="http://schemas.openxmlformats.org/drawingml/2006/main" xmlns:r="http://schemas.openxmlformats.org/officeDocument/2006/relationships" xmlns:p="http://schemas.openxmlformats.org/presentationml/2006/main">
+  <p:cSld>
+    <p:spTree>
+      <p:nvGrpSpPr>
+        <p:cNvPr id="1" name=""/>
+        <p:cNvGrpSpPr/>
+        <p:nvPr/>
+      </p:nvGrpSpPr>
+      <p:grpSpPr>
+        <a:xfrm>
+          <a:off x="0" y="0"/>
+          <a:ext cx="0" cy="0"/>
+          <a:chOff x="0" y="0"/>
+          <a:chExt cx="0" cy="0"/>
+        </a:xfrm>
+      </p:grpSpPr>
+      <p:sp>
+        <p:nvSpPr>
+          <p:cNvPr id="2" name="Title 1"/>
+          <p:cNvSpPr>
+            <a:spLocks noGrp="1"/>
+          </p:cNvSpPr>
+          <p:nvPr>
+            <p:ph type="title"/>
+          </p:nvPr>
+        </p:nvSpPr>
+        <p:spPr/>
+        <p:txBody>
+          <a:bodyPr/>
+          <a:lstStyle/>
+          <a:p>
+            <a:r>
+              <a:rPr lang="en-US" dirty="0" smtClean="0"/>
+              <a:t>Any questions or comments?</a:t>
+            </a:r>
+            <a:endParaRPr lang="en-US" dirty="0"/>
+          </a:p>
+        </p:txBody>
+      </p:sp>
+      <p:sp>
+        <p:nvSpPr>
+          <p:cNvPr id="3" name="Content Placeholder 2"/>
+          <p:cNvSpPr>
+            <a:spLocks noGrp="1"/>
+          </p:cNvSpPr>
+          <p:nvPr>
+            <p:ph idx="1"/>
+          </p:nvPr>
+        </p:nvSpPr>
+        <p:spPr/>
+        <p:txBody>
+          <a:bodyPr/>
+          <a:lstStyle/>
+          <a:p>
+            <a:endParaRPr lang="en-US"/>
+          </a:p>
+        </p:txBody>
+      </p:sp>
+    </p:spTree>
+    <p:extLst>
+      <p:ext uri="{BB962C8B-B14F-4D97-AF65-F5344CB8AC3E}">
+        <p14:creationId xmlns:p14="http://schemas.microsoft.com/office/powerpoint/2010/main" val="2577423646"/>
       </p:ext>
     </p:extLst>
   </p:cSld>
